--- a/Final Project.pptx
+++ b/Final Project.pptx
@@ -8,13 +8,14 @@
     <p:sldId id="256" r:id="rId2"/>
     <p:sldId id="257" r:id="rId3"/>
     <p:sldId id="258" r:id="rId4"/>
-    <p:sldId id="259" r:id="rId5"/>
-    <p:sldId id="260" r:id="rId6"/>
-    <p:sldId id="261" r:id="rId7"/>
-    <p:sldId id="262" r:id="rId8"/>
-    <p:sldId id="263" r:id="rId9"/>
-    <p:sldId id="264" r:id="rId10"/>
-    <p:sldId id="265" r:id="rId11"/>
+    <p:sldId id="266" r:id="rId5"/>
+    <p:sldId id="259" r:id="rId6"/>
+    <p:sldId id="260" r:id="rId7"/>
+    <p:sldId id="261" r:id="rId8"/>
+    <p:sldId id="262" r:id="rId9"/>
+    <p:sldId id="263" r:id="rId10"/>
+    <p:sldId id="264" r:id="rId11"/>
+    <p:sldId id="265" r:id="rId12"/>
   </p:sldIdLst>
   <p:sldSz cx="12192000" cy="6858000"/>
   <p:notesSz cx="6858000" cy="9144000"/>
@@ -121,43 +122,6 @@
 </p:presentation>
 </file>
 
-<file path=ppt/changesInfos/changesInfo1.xml><?xml version="1.0" encoding="utf-8"?>
-<pc:chgInfo xmlns:a="http://schemas.openxmlformats.org/drawingml/2006/main" xmlns:r="http://schemas.openxmlformats.org/officeDocument/2006/relationships" xmlns:ac="http://schemas.microsoft.com/office/drawing/2013/main/command" xmlns:pc="http://schemas.microsoft.com/office/powerpoint/2013/main/command">
-  <pc:docChgLst>
-    <pc:chgData name="Daniel Zamora" userId="0ce3397c1b89fd8a" providerId="LiveId" clId="{6D8AF9BF-FF41-4E06-B332-25A4FA463717}"/>
-    <pc:docChg chg="custSel modSld">
-      <pc:chgData name="Daniel Zamora" userId="0ce3397c1b89fd8a" providerId="LiveId" clId="{6D8AF9BF-FF41-4E06-B332-25A4FA463717}" dt="2019-12-08T18:49:22.634" v="874" actId="33524"/>
-      <pc:docMkLst>
-        <pc:docMk/>
-      </pc:docMkLst>
-      <pc:sldChg chg="modSp">
-        <pc:chgData name="Daniel Zamora" userId="0ce3397c1b89fd8a" providerId="LiveId" clId="{6D8AF9BF-FF41-4E06-B332-25A4FA463717}" dt="2019-12-08T18:49:22.634" v="874" actId="33524"/>
-        <pc:sldMkLst>
-          <pc:docMk/>
-          <pc:sldMk cId="3488162059" sldId="258"/>
-        </pc:sldMkLst>
-        <pc:spChg chg="mod">
-          <ac:chgData name="Daniel Zamora" userId="0ce3397c1b89fd8a" providerId="LiveId" clId="{6D8AF9BF-FF41-4E06-B332-25A4FA463717}" dt="2019-12-08T18:39:55.508" v="15" actId="313"/>
-          <ac:spMkLst>
-            <pc:docMk/>
-            <pc:sldMk cId="3488162059" sldId="258"/>
-            <ac:spMk id="2" creationId="{00000000-0000-0000-0000-000000000000}"/>
-          </ac:spMkLst>
-        </pc:spChg>
-        <pc:spChg chg="mod">
-          <ac:chgData name="Daniel Zamora" userId="0ce3397c1b89fd8a" providerId="LiveId" clId="{6D8AF9BF-FF41-4E06-B332-25A4FA463717}" dt="2019-12-08T18:49:22.634" v="874" actId="33524"/>
-          <ac:spMkLst>
-            <pc:docMk/>
-            <pc:sldMk cId="3488162059" sldId="258"/>
-            <ac:spMk id="4" creationId="{00000000-0000-0000-0000-000000000000}"/>
-          </ac:spMkLst>
-        </pc:spChg>
-      </pc:sldChg>
-    </pc:docChg>
-  </pc:docChgLst>
-</pc:chgInfo>
-</file>
-
 <file path=ppt/slideLayouts/slideLayout1.xml><?xml version="1.0" encoding="utf-8"?>
 <p:sldLayout xmlns:a="http://schemas.openxmlformats.org/drawingml/2006/main" xmlns:r="http://schemas.openxmlformats.org/officeDocument/2006/relationships" xmlns:p="http://schemas.openxmlformats.org/presentationml/2006/main" showMasterSp="0" type="title" preserve="1">
   <p:cSld name="Title Slide">
@@ -204,7 +168,7 @@
           </a:lstStyle>
           <a:p>
             <a:r>
-              <a:rPr lang="en-US"/>
+              <a:rPr lang="en-US" smtClean="0"/>
               <a:t>Click to edit Master title style</a:t>
             </a:r>
             <a:endParaRPr lang="en-US" dirty="0"/>
@@ -325,7 +289,7 @@
           </a:lstStyle>
           <a:p>
             <a:r>
-              <a:rPr lang="en-US"/>
+              <a:rPr lang="en-US" smtClean="0"/>
               <a:t>Click to edit Master subtitle style</a:t>
             </a:r>
             <a:endParaRPr lang="en-US" dirty="0"/>
@@ -618,7 +582,7 @@
           <a:lstStyle/>
           <a:p>
             <a:r>
-              <a:rPr lang="en-US"/>
+              <a:rPr lang="en-US" smtClean="0"/>
               <a:t>Click to edit Master title style</a:t>
             </a:r>
             <a:endParaRPr lang="en-US" dirty="0"/>
@@ -705,7 +669,7 @@
           </a:lstStyle>
           <a:p>
             <a:r>
-              <a:rPr lang="en-US"/>
+              <a:rPr lang="en-US" smtClean="0"/>
               <a:t>Click icon to add picture</a:t>
             </a:r>
             <a:endParaRPr lang="en-US" dirty="0"/>
@@ -762,7 +726,7 @@
           <a:p>
             <a:pPr lvl="0"/>
             <a:r>
-              <a:rPr lang="en-US"/>
+              <a:rPr lang="en-US" smtClean="0"/>
               <a:t>Edit Master text styles</a:t>
             </a:r>
           </a:p>
@@ -890,7 +854,7 @@
           </a:lstStyle>
           <a:p>
             <a:r>
-              <a:rPr lang="en-US"/>
+              <a:rPr lang="en-US" smtClean="0"/>
               <a:t>Click to edit Master title style</a:t>
             </a:r>
             <a:endParaRPr lang="en-US" dirty="0"/>
@@ -1012,7 +976,7 @@
           <a:p>
             <a:pPr lvl="0"/>
             <a:r>
-              <a:rPr lang="en-US"/>
+              <a:rPr lang="en-US" smtClean="0"/>
               <a:t>Edit Master text styles</a:t>
             </a:r>
           </a:p>
@@ -1144,7 +1108,7 @@
           </a:lstStyle>
           <a:p>
             <a:r>
-              <a:rPr lang="en-US"/>
+              <a:rPr lang="en-US" smtClean="0"/>
               <a:t>Click to edit Master title style</a:t>
             </a:r>
             <a:endParaRPr lang="en-US" dirty="0"/>
@@ -1199,7 +1163,7 @@
           <a:p>
             <a:pPr lvl="0"/>
             <a:r>
-              <a:rPr lang="en-US"/>
+              <a:rPr lang="en-US" smtClean="0"/>
               <a:t>Edit Master text styles</a:t>
             </a:r>
           </a:p>
@@ -1320,7 +1284,7 @@
           <a:p>
             <a:pPr lvl="0"/>
             <a:r>
-              <a:rPr lang="en-US"/>
+              <a:rPr lang="en-US" smtClean="0"/>
               <a:t>Edit Master text styles</a:t>
             </a:r>
           </a:p>
@@ -1516,7 +1480,7 @@
           </a:lstStyle>
           <a:p>
             <a:r>
-              <a:rPr lang="en-US"/>
+              <a:rPr lang="en-US" smtClean="0"/>
               <a:t>Click to edit Master title style</a:t>
             </a:r>
             <a:endParaRPr lang="en-US" dirty="0"/>
@@ -1638,7 +1602,7 @@
           <a:p>
             <a:pPr lvl="0"/>
             <a:r>
-              <a:rPr lang="en-US"/>
+              <a:rPr lang="en-US" smtClean="0"/>
               <a:t>Edit Master text styles</a:t>
             </a:r>
           </a:p>
@@ -1770,7 +1734,7 @@
           </a:lstStyle>
           <a:p>
             <a:r>
-              <a:rPr lang="en-US"/>
+              <a:rPr lang="en-US" smtClean="0"/>
               <a:t>Click to edit Master title style</a:t>
             </a:r>
             <a:endParaRPr lang="en-US" dirty="0"/>
@@ -1819,7 +1783,7 @@
               <a:buNone/>
             </a:pPr>
             <a:r>
-              <a:rPr lang="en-US"/>
+              <a:rPr lang="en-US" smtClean="0"/>
               <a:t>Edit Master text styles</a:t>
             </a:r>
           </a:p>
@@ -1940,7 +1904,7 @@
           <a:p>
             <a:pPr lvl="0"/>
             <a:r>
-              <a:rPr lang="en-US"/>
+              <a:rPr lang="en-US" smtClean="0"/>
               <a:t>Edit Master text styles</a:t>
             </a:r>
           </a:p>
@@ -2137,7 +2101,7 @@
           <a:p>
             <a:pPr marL="0" lvl="0"/>
             <a:r>
-              <a:rPr lang="en-US"/>
+              <a:rPr lang="en-US" smtClean="0"/>
               <a:t>Click to edit Master title style</a:t>
             </a:r>
             <a:endParaRPr lang="en-US" dirty="0"/>
@@ -2186,7 +2150,7 @@
               <a:buNone/>
             </a:pPr>
             <a:r>
-              <a:rPr lang="en-US"/>
+              <a:rPr lang="en-US" smtClean="0"/>
               <a:t>Edit Master text styles</a:t>
             </a:r>
           </a:p>
@@ -2307,7 +2271,7 @@
           <a:p>
             <a:pPr lvl="0"/>
             <a:r>
-              <a:rPr lang="en-US"/>
+              <a:rPr lang="en-US" smtClean="0"/>
               <a:t>Edit Master text styles</a:t>
             </a:r>
           </a:p>
@@ -2428,7 +2392,7 @@
           </a:lstStyle>
           <a:p>
             <a:r>
-              <a:rPr lang="en-US"/>
+              <a:rPr lang="en-US" smtClean="0"/>
               <a:t>Click to edit Master title style</a:t>
             </a:r>
             <a:endParaRPr lang="en-US" dirty="0"/>
@@ -2452,35 +2416,35 @@
           <a:p>
             <a:pPr lvl="0"/>
             <a:r>
-              <a:rPr lang="en-US"/>
+              <a:rPr lang="en-US" smtClean="0"/>
               <a:t>Edit Master text styles</a:t>
             </a:r>
           </a:p>
           <a:p>
             <a:pPr lvl="1"/>
             <a:r>
-              <a:rPr lang="en-US"/>
+              <a:rPr lang="en-US" smtClean="0"/>
               <a:t>Second level</a:t>
             </a:r>
           </a:p>
           <a:p>
             <a:pPr lvl="2"/>
             <a:r>
-              <a:rPr lang="en-US"/>
+              <a:rPr lang="en-US" smtClean="0"/>
               <a:t>Third level</a:t>
             </a:r>
           </a:p>
           <a:p>
             <a:pPr lvl="3"/>
             <a:r>
-              <a:rPr lang="en-US"/>
+              <a:rPr lang="en-US" smtClean="0"/>
               <a:t>Fourth level</a:t>
             </a:r>
           </a:p>
           <a:p>
             <a:pPr lvl="4"/>
             <a:r>
-              <a:rPr lang="en-US"/>
+              <a:rPr lang="en-US" smtClean="0"/>
               <a:t>Fifth level</a:t>
             </a:r>
             <a:endParaRPr lang="en-US" dirty="0"/>
@@ -2603,7 +2567,7 @@
           <a:lstStyle/>
           <a:p>
             <a:r>
-              <a:rPr lang="en-US"/>
+              <a:rPr lang="en-US" smtClean="0"/>
               <a:t>Click to edit Master title style</a:t>
             </a:r>
             <a:endParaRPr lang="en-US" dirty="0"/>
@@ -2632,35 +2596,35 @@
           <a:p>
             <a:pPr lvl="0"/>
             <a:r>
-              <a:rPr lang="en-US"/>
+              <a:rPr lang="en-US" smtClean="0"/>
               <a:t>Edit Master text styles</a:t>
             </a:r>
           </a:p>
           <a:p>
             <a:pPr lvl="1"/>
             <a:r>
-              <a:rPr lang="en-US"/>
+              <a:rPr lang="en-US" smtClean="0"/>
               <a:t>Second level</a:t>
             </a:r>
           </a:p>
           <a:p>
             <a:pPr lvl="2"/>
             <a:r>
-              <a:rPr lang="en-US"/>
+              <a:rPr lang="en-US" smtClean="0"/>
               <a:t>Third level</a:t>
             </a:r>
           </a:p>
           <a:p>
             <a:pPr lvl="3"/>
             <a:r>
-              <a:rPr lang="en-US"/>
+              <a:rPr lang="en-US" smtClean="0"/>
               <a:t>Fourth level</a:t>
             </a:r>
           </a:p>
           <a:p>
             <a:pPr lvl="4"/>
             <a:r>
-              <a:rPr lang="en-US"/>
+              <a:rPr lang="en-US" smtClean="0"/>
               <a:t>Fifth level</a:t>
             </a:r>
             <a:endParaRPr lang="en-US" dirty="0"/>
@@ -2778,7 +2742,7 @@
           <a:lstStyle/>
           <a:p>
             <a:r>
-              <a:rPr lang="en-US"/>
+              <a:rPr lang="en-US" smtClean="0"/>
               <a:t>Click to edit Master title style</a:t>
             </a:r>
             <a:endParaRPr lang="en-US" dirty="0"/>
@@ -2802,35 +2766,35 @@
           <a:p>
             <a:pPr lvl="0"/>
             <a:r>
-              <a:rPr lang="en-US"/>
+              <a:rPr lang="en-US" smtClean="0"/>
               <a:t>Edit Master text styles</a:t>
             </a:r>
           </a:p>
           <a:p>
             <a:pPr lvl="1"/>
             <a:r>
-              <a:rPr lang="en-US"/>
+              <a:rPr lang="en-US" smtClean="0"/>
               <a:t>Second level</a:t>
             </a:r>
           </a:p>
           <a:p>
             <a:pPr lvl="2"/>
             <a:r>
-              <a:rPr lang="en-US"/>
+              <a:rPr lang="en-US" smtClean="0"/>
               <a:t>Third level</a:t>
             </a:r>
           </a:p>
           <a:p>
             <a:pPr lvl="3"/>
             <a:r>
-              <a:rPr lang="en-US"/>
+              <a:rPr lang="en-US" smtClean="0"/>
               <a:t>Fourth level</a:t>
             </a:r>
           </a:p>
           <a:p>
             <a:pPr lvl="4"/>
             <a:r>
-              <a:rPr lang="en-US"/>
+              <a:rPr lang="en-US" smtClean="0"/>
               <a:t>Fifth level</a:t>
             </a:r>
             <a:endParaRPr lang="en-US" dirty="0"/>
@@ -2959,7 +2923,7 @@
           </a:lstStyle>
           <a:p>
             <a:r>
-              <a:rPr lang="en-US"/>
+              <a:rPr lang="en-US" smtClean="0"/>
               <a:t>Click to edit Master title style</a:t>
             </a:r>
             <a:endParaRPr lang="en-US" dirty="0"/>
@@ -3081,7 +3045,7 @@
           <a:p>
             <a:pPr lvl="0"/>
             <a:r>
-              <a:rPr lang="en-US"/>
+              <a:rPr lang="en-US" smtClean="0"/>
               <a:t>Edit Master text styles</a:t>
             </a:r>
           </a:p>
@@ -3198,7 +3162,7 @@
           <a:lstStyle/>
           <a:p>
             <a:r>
-              <a:rPr lang="en-US"/>
+              <a:rPr lang="en-US" smtClean="0"/>
               <a:t>Click to edit Master title style</a:t>
             </a:r>
             <a:endParaRPr lang="en-US" dirty="0"/>
@@ -3229,35 +3193,35 @@
           <a:p>
             <a:pPr lvl="0"/>
             <a:r>
-              <a:rPr lang="en-US"/>
+              <a:rPr lang="en-US" smtClean="0"/>
               <a:t>Edit Master text styles</a:t>
             </a:r>
           </a:p>
           <a:p>
             <a:pPr lvl="1"/>
             <a:r>
-              <a:rPr lang="en-US"/>
+              <a:rPr lang="en-US" smtClean="0"/>
               <a:t>Second level</a:t>
             </a:r>
           </a:p>
           <a:p>
             <a:pPr lvl="2"/>
             <a:r>
-              <a:rPr lang="en-US"/>
+              <a:rPr lang="en-US" smtClean="0"/>
               <a:t>Third level</a:t>
             </a:r>
           </a:p>
           <a:p>
             <a:pPr lvl="3"/>
             <a:r>
-              <a:rPr lang="en-US"/>
+              <a:rPr lang="en-US" smtClean="0"/>
               <a:t>Fourth level</a:t>
             </a:r>
           </a:p>
           <a:p>
             <a:pPr lvl="4"/>
             <a:r>
-              <a:rPr lang="en-US"/>
+              <a:rPr lang="en-US" smtClean="0"/>
               <a:t>Fifth level</a:t>
             </a:r>
             <a:endParaRPr lang="en-US" dirty="0"/>
@@ -3288,35 +3252,35 @@
           <a:p>
             <a:pPr lvl="0"/>
             <a:r>
-              <a:rPr lang="en-US"/>
+              <a:rPr lang="en-US" smtClean="0"/>
               <a:t>Edit Master text styles</a:t>
             </a:r>
           </a:p>
           <a:p>
             <a:pPr lvl="1"/>
             <a:r>
-              <a:rPr lang="en-US"/>
+              <a:rPr lang="en-US" smtClean="0"/>
               <a:t>Second level</a:t>
             </a:r>
           </a:p>
           <a:p>
             <a:pPr lvl="2"/>
             <a:r>
-              <a:rPr lang="en-US"/>
+              <a:rPr lang="en-US" smtClean="0"/>
               <a:t>Third level</a:t>
             </a:r>
           </a:p>
           <a:p>
             <a:pPr lvl="3"/>
             <a:r>
-              <a:rPr lang="en-US"/>
+              <a:rPr lang="en-US" smtClean="0"/>
               <a:t>Fourth level</a:t>
             </a:r>
           </a:p>
           <a:p>
             <a:pPr lvl="4"/>
             <a:r>
-              <a:rPr lang="en-US"/>
+              <a:rPr lang="en-US" smtClean="0"/>
               <a:t>Fifth level</a:t>
             </a:r>
             <a:endParaRPr lang="en-US" dirty="0"/>
@@ -3438,7 +3402,7 @@
           </a:lstStyle>
           <a:p>
             <a:r>
-              <a:rPr lang="en-US"/>
+              <a:rPr lang="en-US" smtClean="0"/>
               <a:t>Click to edit Master title style</a:t>
             </a:r>
             <a:endParaRPr lang="en-US" dirty="0"/>
@@ -3510,7 +3474,7 @@
           <a:p>
             <a:pPr lvl="0"/>
             <a:r>
-              <a:rPr lang="en-US"/>
+              <a:rPr lang="en-US" smtClean="0"/>
               <a:t>Edit Master text styles</a:t>
             </a:r>
           </a:p>
@@ -3540,35 +3504,35 @@
           <a:p>
             <a:pPr lvl="0"/>
             <a:r>
-              <a:rPr lang="en-US"/>
+              <a:rPr lang="en-US" smtClean="0"/>
               <a:t>Edit Master text styles</a:t>
             </a:r>
           </a:p>
           <a:p>
             <a:pPr lvl="1"/>
             <a:r>
-              <a:rPr lang="en-US"/>
+              <a:rPr lang="en-US" smtClean="0"/>
               <a:t>Second level</a:t>
             </a:r>
           </a:p>
           <a:p>
             <a:pPr lvl="2"/>
             <a:r>
-              <a:rPr lang="en-US"/>
+              <a:rPr lang="en-US" smtClean="0"/>
               <a:t>Third level</a:t>
             </a:r>
           </a:p>
           <a:p>
             <a:pPr lvl="3"/>
             <a:r>
-              <a:rPr lang="en-US"/>
+              <a:rPr lang="en-US" smtClean="0"/>
               <a:t>Fourth level</a:t>
             </a:r>
           </a:p>
           <a:p>
             <a:pPr lvl="4"/>
             <a:r>
-              <a:rPr lang="en-US"/>
+              <a:rPr lang="en-US" smtClean="0"/>
               <a:t>Fifth level</a:t>
             </a:r>
             <a:endParaRPr lang="en-US" dirty="0"/>
@@ -3640,7 +3604,7 @@
           <a:p>
             <a:pPr lvl="0"/>
             <a:r>
-              <a:rPr lang="en-US"/>
+              <a:rPr lang="en-US" smtClean="0"/>
               <a:t>Edit Master text styles</a:t>
             </a:r>
           </a:p>
@@ -3670,35 +3634,35 @@
           <a:p>
             <a:pPr lvl="0"/>
             <a:r>
-              <a:rPr lang="en-US"/>
+              <a:rPr lang="en-US" smtClean="0"/>
               <a:t>Edit Master text styles</a:t>
             </a:r>
           </a:p>
           <a:p>
             <a:pPr lvl="1"/>
             <a:r>
-              <a:rPr lang="en-US"/>
+              <a:rPr lang="en-US" smtClean="0"/>
               <a:t>Second level</a:t>
             </a:r>
           </a:p>
           <a:p>
             <a:pPr lvl="2"/>
             <a:r>
-              <a:rPr lang="en-US"/>
+              <a:rPr lang="en-US" smtClean="0"/>
               <a:t>Third level</a:t>
             </a:r>
           </a:p>
           <a:p>
             <a:pPr lvl="3"/>
             <a:r>
-              <a:rPr lang="en-US"/>
+              <a:rPr lang="en-US" smtClean="0"/>
               <a:t>Fourth level</a:t>
             </a:r>
           </a:p>
           <a:p>
             <a:pPr lvl="4"/>
             <a:r>
-              <a:rPr lang="en-US"/>
+              <a:rPr lang="en-US" smtClean="0"/>
               <a:t>Fifth level</a:t>
             </a:r>
             <a:endParaRPr lang="en-US" dirty="0"/>
@@ -3816,7 +3780,7 @@
           <a:lstStyle/>
           <a:p>
             <a:r>
-              <a:rPr lang="en-US"/>
+              <a:rPr lang="en-US" smtClean="0"/>
               <a:t>Click to edit Master title style</a:t>
             </a:r>
             <a:endParaRPr lang="en-US" dirty="0"/>
@@ -4040,7 +4004,7 @@
           </a:lstStyle>
           <a:p>
             <a:r>
-              <a:rPr lang="en-US"/>
+              <a:rPr lang="en-US" smtClean="0"/>
               <a:t>Click to edit Master title style</a:t>
             </a:r>
             <a:endParaRPr lang="en-US" dirty="0"/>
@@ -4071,35 +4035,35 @@
           <a:p>
             <a:pPr lvl="0"/>
             <a:r>
-              <a:rPr lang="en-US"/>
+              <a:rPr lang="en-US" smtClean="0"/>
               <a:t>Edit Master text styles</a:t>
             </a:r>
           </a:p>
           <a:p>
             <a:pPr lvl="1"/>
             <a:r>
-              <a:rPr lang="en-US"/>
+              <a:rPr lang="en-US" smtClean="0"/>
               <a:t>Second level</a:t>
             </a:r>
           </a:p>
           <a:p>
             <a:pPr lvl="2"/>
             <a:r>
-              <a:rPr lang="en-US"/>
+              <a:rPr lang="en-US" smtClean="0"/>
               <a:t>Third level</a:t>
             </a:r>
           </a:p>
           <a:p>
             <a:pPr lvl="3"/>
             <a:r>
-              <a:rPr lang="en-US"/>
+              <a:rPr lang="en-US" smtClean="0"/>
               <a:t>Fourth level</a:t>
             </a:r>
           </a:p>
           <a:p>
             <a:pPr lvl="4"/>
             <a:r>
-              <a:rPr lang="en-US"/>
+              <a:rPr lang="en-US" smtClean="0"/>
               <a:t>Fifth level</a:t>
             </a:r>
             <a:endParaRPr lang="en-US" dirty="0"/>
@@ -4167,7 +4131,7 @@
           <a:p>
             <a:pPr lvl="0"/>
             <a:r>
-              <a:rPr lang="en-US"/>
+              <a:rPr lang="en-US" smtClean="0"/>
               <a:t>Edit Master text styles</a:t>
             </a:r>
           </a:p>
@@ -4295,7 +4259,7 @@
           </a:lstStyle>
           <a:p>
             <a:r>
-              <a:rPr lang="en-US"/>
+              <a:rPr lang="en-US" smtClean="0"/>
               <a:t>Click to edit Master title style</a:t>
             </a:r>
             <a:endParaRPr lang="en-US" dirty="0"/>
@@ -4382,7 +4346,7 @@
           </a:lstStyle>
           <a:p>
             <a:r>
-              <a:rPr lang="en-US"/>
+              <a:rPr lang="en-US" smtClean="0"/>
               <a:t>Click icon to add picture</a:t>
             </a:r>
             <a:endParaRPr lang="en-US" dirty="0"/>
@@ -4450,7 +4414,7 @@
           <a:p>
             <a:pPr lvl="0"/>
             <a:r>
-              <a:rPr lang="en-US"/>
+              <a:rPr lang="en-US" smtClean="0"/>
               <a:t>Edit Master text styles</a:t>
             </a:r>
           </a:p>
@@ -4773,7 +4737,7 @@
           <a:lstStyle/>
           <a:p>
             <a:r>
-              <a:rPr lang="en-US"/>
+              <a:rPr lang="en-US" smtClean="0"/>
               <a:t>Click to edit Master title style</a:t>
             </a:r>
             <a:endParaRPr lang="en-US" dirty="0"/>
@@ -4807,35 +4771,35 @@
           <a:p>
             <a:pPr lvl="0"/>
             <a:r>
-              <a:rPr lang="en-US"/>
+              <a:rPr lang="en-US" smtClean="0"/>
               <a:t>Edit Master text styles</a:t>
             </a:r>
           </a:p>
           <a:p>
             <a:pPr lvl="1"/>
             <a:r>
-              <a:rPr lang="en-US"/>
+              <a:rPr lang="en-US" smtClean="0"/>
               <a:t>Second level</a:t>
             </a:r>
           </a:p>
           <a:p>
             <a:pPr lvl="2"/>
             <a:r>
-              <a:rPr lang="en-US"/>
+              <a:rPr lang="en-US" smtClean="0"/>
               <a:t>Third level</a:t>
             </a:r>
           </a:p>
           <a:p>
             <a:pPr lvl="3"/>
             <a:r>
-              <a:rPr lang="en-US"/>
+              <a:rPr lang="en-US" smtClean="0"/>
               <a:t>Fourth level</a:t>
             </a:r>
           </a:p>
           <a:p>
             <a:pPr lvl="4"/>
             <a:r>
-              <a:rPr lang="en-US"/>
+              <a:rPr lang="en-US" smtClean="0"/>
               <a:t>Fifth level</a:t>
             </a:r>
             <a:endParaRPr lang="en-US" dirty="0"/>
@@ -5442,20 +5406,29 @@
               </a:lnSpc>
             </a:pPr>
             <a:r>
+              <a:rPr lang="en-US" dirty="0" smtClean="0"/>
+              <a:t>School Lunch made easy</a:t>
+            </a:r>
+            <a:r>
               <a:rPr lang="en-US" dirty="0"/>
-              <a:t>School Lunch made easy</a:t>
+              <a:t/>
             </a:r>
             <a:br>
               <a:rPr lang="en-US" dirty="0"/>
             </a:br>
             <a:r>
-              <a:rPr lang="en-US" sz="1800" dirty="0">
+              <a:rPr lang="en-US" sz="1800" dirty="0" smtClean="0">
                 <a:solidFill>
                   <a:schemeClr val="bg1"/>
                 </a:solidFill>
               </a:rPr>
               <a:t>Vicki Lewis, Mariana Valles Meza, Mackenzie Richards and Daniel Zamora</a:t>
             </a:r>
+            <a:endParaRPr lang="en-US" sz="1800" dirty="0">
+              <a:solidFill>
+                <a:schemeClr val="bg1"/>
+              </a:solidFill>
+            </a:endParaRPr>
           </a:p>
         </p:txBody>
       </p:sp>
@@ -5498,6 +5471,13 @@
   <p:clrMapOvr>
     <a:masterClrMapping/>
   </p:clrMapOvr>
+  <p:timing>
+    <p:tnLst>
+      <p:par>
+        <p:cTn id="1" dur="indefinite" restart="never" nodeType="tmRoot"/>
+      </p:par>
+    </p:tnLst>
+  </p:timing>
 </p:sld>
 </file>
 
@@ -5530,6 +5510,167 @@
         </p:nvSpPr>
         <p:spPr>
           <a:xfrm>
+            <a:off x="7020357" y="685800"/>
+            <a:ext cx="3657600" cy="699655"/>
+          </a:xfrm>
+        </p:spPr>
+        <p:txBody>
+          <a:bodyPr/>
+          <a:lstStyle/>
+          <a:p>
+            <a:pPr algn="ctr"/>
+            <a:r>
+              <a:rPr lang="en-US" dirty="0" smtClean="0"/>
+              <a:t>Payment by student</a:t>
+            </a:r>
+            <a:endParaRPr lang="en-US" dirty="0"/>
+          </a:p>
+        </p:txBody>
+      </p:sp>
+      <p:pic>
+        <p:nvPicPr>
+          <p:cNvPr id="5" name="Content Placeholder 4"/>
+          <p:cNvPicPr>
+            <a:picLocks noGrp="1" noChangeAspect="1"/>
+          </p:cNvPicPr>
+          <p:nvPr>
+            <p:ph idx="1"/>
+          </p:nvPr>
+        </p:nvPicPr>
+        <p:blipFill>
+          <a:blip r:embed="rId2"/>
+          <a:stretch>
+            <a:fillRect/>
+          </a:stretch>
+        </p:blipFill>
+        <p:spPr>
+          <a:xfrm>
+            <a:off x="388649" y="595664"/>
+            <a:ext cx="5943600" cy="4881499"/>
+          </a:xfrm>
+          <a:prstGeom prst="rect">
+            <a:avLst/>
+          </a:prstGeom>
+        </p:spPr>
+      </p:pic>
+      <p:sp>
+        <p:nvSpPr>
+          <p:cNvPr id="4" name="Text Placeholder 3"/>
+          <p:cNvSpPr>
+            <a:spLocks noGrp="1"/>
+          </p:cNvSpPr>
+          <p:nvPr>
+            <p:ph type="body" sz="half" idx="2"/>
+          </p:nvPr>
+        </p:nvSpPr>
+        <p:spPr>
+          <a:xfrm>
+            <a:off x="7085012" y="2209799"/>
+            <a:ext cx="3878552" cy="2611583"/>
+          </a:xfrm>
+        </p:spPr>
+        <p:txBody>
+          <a:bodyPr>
+            <a:normAutofit/>
+          </a:bodyPr>
+          <a:lstStyle/>
+          <a:p>
+            <a:r>
+              <a:rPr lang="en-US" dirty="0" smtClean="0"/>
+              <a:t>This report shows each separate payment made to a student’s lunch account and the payment method.</a:t>
+            </a:r>
+          </a:p>
+          <a:p>
+            <a:endParaRPr lang="en-US" dirty="0"/>
+          </a:p>
+          <a:p>
+            <a:pPr>
+              <a:spcBef>
+                <a:spcPts val="0"/>
+              </a:spcBef>
+              <a:spcAft>
+                <a:spcPts val="0"/>
+              </a:spcAft>
+            </a:pPr>
+            <a:r>
+              <a:rPr lang="en-US" dirty="0" smtClean="0"/>
+              <a:t>To get this report type:</a:t>
+            </a:r>
+          </a:p>
+          <a:p>
+            <a:pPr>
+              <a:spcBef>
+                <a:spcPts val="0"/>
+              </a:spcBef>
+              <a:spcAft>
+                <a:spcPts val="0"/>
+              </a:spcAft>
+            </a:pPr>
+            <a:r>
+              <a:rPr lang="en-US" dirty="0" smtClean="0"/>
+              <a:t>SELECT * FROM </a:t>
+            </a:r>
+            <a:r>
+              <a:rPr lang="en-US" dirty="0" err="1" smtClean="0"/>
+              <a:t>StudentPayments</a:t>
+            </a:r>
+            <a:r>
+              <a:rPr lang="en-US" dirty="0" smtClean="0"/>
+              <a:t>;</a:t>
+            </a:r>
+            <a:endParaRPr lang="en-US" dirty="0"/>
+          </a:p>
+        </p:txBody>
+      </p:sp>
+    </p:spTree>
+    <p:extLst>
+      <p:ext uri="{BB962C8B-B14F-4D97-AF65-F5344CB8AC3E}">
+        <p14:creationId xmlns:p14="http://schemas.microsoft.com/office/powerpoint/2010/main" val="2541052856"/>
+      </p:ext>
+    </p:extLst>
+  </p:cSld>
+  <p:clrMapOvr>
+    <a:masterClrMapping/>
+  </p:clrMapOvr>
+  <p:timing>
+    <p:tnLst>
+      <p:par>
+        <p:cTn id="1" dur="indefinite" restart="never" nodeType="tmRoot"/>
+      </p:par>
+    </p:tnLst>
+  </p:timing>
+</p:sld>
+</file>
+
+<file path=ppt/slides/slide11.xml><?xml version="1.0" encoding="utf-8"?>
+<p:sld xmlns:a="http://schemas.openxmlformats.org/drawingml/2006/main" xmlns:r="http://schemas.openxmlformats.org/officeDocument/2006/relationships" xmlns:p="http://schemas.openxmlformats.org/presentationml/2006/main">
+  <p:cSld>
+    <p:spTree>
+      <p:nvGrpSpPr>
+        <p:cNvPr id="1" name=""/>
+        <p:cNvGrpSpPr/>
+        <p:nvPr/>
+      </p:nvGrpSpPr>
+      <p:grpSpPr>
+        <a:xfrm>
+          <a:off x="0" y="0"/>
+          <a:ext cx="0" cy="0"/>
+          <a:chOff x="0" y="0"/>
+          <a:chExt cx="0" cy="0"/>
+        </a:xfrm>
+      </p:grpSpPr>
+      <p:sp>
+        <p:nvSpPr>
+          <p:cNvPr id="2" name="Title 1"/>
+          <p:cNvSpPr>
+            <a:spLocks noGrp="1"/>
+          </p:cNvSpPr>
+          <p:nvPr>
+            <p:ph type="title"/>
+          </p:nvPr>
+        </p:nvSpPr>
+        <p:spPr>
+          <a:xfrm>
             <a:off x="7085012" y="685800"/>
             <a:ext cx="3749243" cy="699655"/>
           </a:xfrm>
@@ -5540,50 +5681,146 @@
           <a:p>
             <a:pPr algn="ctr"/>
             <a:r>
+              <a:rPr lang="en-US" dirty="0" smtClean="0"/>
+              <a:t>Student balances</a:t>
+            </a:r>
+            <a:endParaRPr lang="en-US" dirty="0"/>
+          </a:p>
+        </p:txBody>
+      </p:sp>
+      <p:sp>
+        <p:nvSpPr>
+          <p:cNvPr id="4" name="Text Placeholder 3"/>
+          <p:cNvSpPr>
+            <a:spLocks noGrp="1"/>
+          </p:cNvSpPr>
+          <p:nvPr>
+            <p:ph type="body" sz="half" idx="2"/>
+          </p:nvPr>
+        </p:nvSpPr>
+        <p:spPr>
+          <a:xfrm>
+            <a:off x="7085012" y="1766454"/>
+            <a:ext cx="4682115" cy="3978564"/>
+          </a:xfrm>
+        </p:spPr>
+        <p:txBody>
+          <a:bodyPr>
+            <a:normAutofit fontScale="92500" lnSpcReduction="10000"/>
+          </a:bodyPr>
+          <a:lstStyle/>
+          <a:p>
+            <a:r>
               <a:rPr lang="en-US" dirty="0"/>
-              <a:t>Student balances</a:t>
-            </a:r>
-          </a:p>
-        </p:txBody>
-      </p:sp>
-      <p:sp>
-        <p:nvSpPr>
-          <p:cNvPr id="3" name="Content Placeholder 2"/>
-          <p:cNvSpPr>
-            <a:spLocks noGrp="1"/>
-          </p:cNvSpPr>
+              <a:t>This report </a:t>
+            </a:r>
+            <a:r>
+              <a:rPr lang="en-US" dirty="0" smtClean="0"/>
+              <a:t>shows how much each student was charged, how much each has paid and their balance.</a:t>
+            </a:r>
+          </a:p>
+          <a:p>
+            <a:endParaRPr lang="en-US" dirty="0" smtClean="0"/>
+          </a:p>
+          <a:p>
+            <a:r>
+              <a:rPr lang="en-US" dirty="0" smtClean="0"/>
+              <a:t>Positive Balance: They still have money in account.</a:t>
+            </a:r>
+          </a:p>
+          <a:p>
+            <a:r>
+              <a:rPr lang="en-US" dirty="0" smtClean="0"/>
+              <a:t>Negative Balance: They owe money.</a:t>
+            </a:r>
+          </a:p>
+          <a:p>
+            <a:r>
+              <a:rPr lang="en-US" dirty="0" smtClean="0"/>
+              <a:t>NULL Amount Paid: Have not made any payments.</a:t>
+            </a:r>
+          </a:p>
+          <a:p>
+            <a:r>
+              <a:rPr lang="en-US" dirty="0" smtClean="0"/>
+              <a:t>NULL Balance: Nothing is due.</a:t>
+            </a:r>
+            <a:endParaRPr lang="en-US" dirty="0"/>
+          </a:p>
+          <a:p>
+            <a:endParaRPr lang="en-US" dirty="0" smtClean="0"/>
+          </a:p>
+          <a:p>
+            <a:endParaRPr lang="en-US" dirty="0"/>
+          </a:p>
+          <a:p>
+            <a:pPr>
+              <a:spcBef>
+                <a:spcPts val="0"/>
+              </a:spcBef>
+              <a:spcAft>
+                <a:spcPts val="0"/>
+              </a:spcAft>
+            </a:pPr>
+            <a:r>
+              <a:rPr lang="en-US" dirty="0"/>
+              <a:t>To get this report type:</a:t>
+            </a:r>
+          </a:p>
+          <a:p>
+            <a:pPr>
+              <a:spcBef>
+                <a:spcPts val="0"/>
+              </a:spcBef>
+              <a:spcAft>
+                <a:spcPts val="0"/>
+              </a:spcAft>
+            </a:pPr>
+            <a:r>
+              <a:rPr lang="en-US" dirty="0"/>
+              <a:t>SELECT * FROM </a:t>
+            </a:r>
+            <a:r>
+              <a:rPr lang="en-US" dirty="0" err="1" smtClean="0"/>
+              <a:t>StudentBalances</a:t>
+            </a:r>
+            <a:r>
+              <a:rPr lang="en-US" dirty="0" smtClean="0"/>
+              <a:t>;</a:t>
+            </a:r>
+            <a:endParaRPr lang="en-US" dirty="0"/>
+          </a:p>
+          <a:p>
+            <a:endParaRPr lang="en-US" dirty="0"/>
+          </a:p>
+        </p:txBody>
+      </p:sp>
+      <p:pic>
+        <p:nvPicPr>
+          <p:cNvPr id="6" name="Content Placeholder 5"/>
+          <p:cNvPicPr>
+            <a:picLocks noGrp="1" noChangeAspect="1"/>
+          </p:cNvPicPr>
           <p:nvPr>
             <p:ph idx="1"/>
           </p:nvPr>
-        </p:nvSpPr>
-        <p:spPr/>
-        <p:txBody>
-          <a:bodyPr/>
-          <a:lstStyle/>
-          <a:p>
-            <a:endParaRPr lang="en-US"/>
-          </a:p>
-        </p:txBody>
-      </p:sp>
-      <p:sp>
-        <p:nvSpPr>
-          <p:cNvPr id="4" name="Text Placeholder 3"/>
-          <p:cNvSpPr>
-            <a:spLocks noGrp="1"/>
-          </p:cNvSpPr>
-          <p:nvPr>
-            <p:ph type="body" sz="half" idx="2"/>
-          </p:nvPr>
-        </p:nvSpPr>
-        <p:spPr/>
-        <p:txBody>
-          <a:bodyPr/>
-          <a:lstStyle/>
-          <a:p>
-            <a:endParaRPr lang="en-US"/>
-          </a:p>
-        </p:txBody>
-      </p:sp>
+        </p:nvPicPr>
+        <p:blipFill>
+          <a:blip r:embed="rId2"/>
+          <a:stretch>
+            <a:fillRect/>
+          </a:stretch>
+        </p:blipFill>
+        <p:spPr>
+          <a:xfrm>
+            <a:off x="453303" y="788274"/>
+            <a:ext cx="6233823" cy="4504162"/>
+          </a:xfrm>
+          <a:prstGeom prst="rect">
+            <a:avLst/>
+          </a:prstGeom>
+        </p:spPr>
+      </p:pic>
     </p:spTree>
     <p:extLst>
       <p:ext uri="{BB962C8B-B14F-4D97-AF65-F5344CB8AC3E}">
@@ -5594,6 +5831,13 @@
   <p:clrMapOvr>
     <a:masterClrMapping/>
   </p:clrMapOvr>
+  <p:timing>
+    <p:tnLst>
+      <p:par>
+        <p:cTn id="1" dur="indefinite" restart="never" nodeType="tmRoot"/>
+      </p:par>
+    </p:tnLst>
+  </p:timing>
 </p:sld>
 </file>
 
@@ -5638,15 +5882,62 @@
           <a:p>
             <a:pPr algn="ctr"/>
             <a:r>
-              <a:rPr lang="en-US" dirty="0"/>
+              <a:rPr lang="en-US" dirty="0" smtClean="0"/>
               <a:t>Visual Representation</a:t>
             </a:r>
+            <a:endParaRPr lang="en-US" dirty="0"/>
+          </a:p>
+        </p:txBody>
+      </p:sp>
+      <p:sp>
+        <p:nvSpPr>
+          <p:cNvPr id="4" name="Text Placeholder 3"/>
+          <p:cNvSpPr>
+            <a:spLocks noGrp="1"/>
+          </p:cNvSpPr>
+          <p:nvPr>
+            <p:ph type="body" sz="half" idx="2"/>
+          </p:nvPr>
+        </p:nvSpPr>
+        <p:spPr>
+          <a:xfrm>
+            <a:off x="8174182" y="2946399"/>
+            <a:ext cx="3749963" cy="3029527"/>
+          </a:xfrm>
+        </p:spPr>
+        <p:txBody>
+          <a:bodyPr>
+            <a:normAutofit lnSpcReduction="10000"/>
+          </a:bodyPr>
+          <a:lstStyle/>
+          <a:p>
+            <a:r>
+              <a:rPr lang="en-US" sz="2000" dirty="0" smtClean="0"/>
+              <a:t>This is a visual image of how all the information was divided up to be able to store each student’s information and provide you with the information you need at a moments notice</a:t>
+            </a:r>
+            <a:r>
+              <a:rPr lang="en-US" sz="2000" dirty="0" smtClean="0"/>
+              <a:t>.</a:t>
+            </a:r>
+          </a:p>
+          <a:p>
+            <a:r>
+              <a:rPr lang="en-US" sz="2000" dirty="0" smtClean="0"/>
+              <a:t>Hyperlink: </a:t>
+            </a:r>
+            <a:r>
+              <a:rPr lang="en-US" sz="2000" dirty="0" smtClean="0">
+                <a:hlinkClick r:id="rId2"/>
+              </a:rPr>
+              <a:t>https://github.com/ZamoraD/SchoolLunchMadeEasy.git</a:t>
+            </a:r>
+            <a:endParaRPr lang="en-US" sz="2000" dirty="0"/>
           </a:p>
         </p:txBody>
       </p:sp>
       <p:pic>
         <p:nvPicPr>
-          <p:cNvPr id="5" name="Content Placeholder 4"/>
+          <p:cNvPr id="6" name="Content Placeholder 5"/>
           <p:cNvPicPr>
             <a:picLocks noGrp="1" noChangeAspect="1"/>
           </p:cNvPicPr>
@@ -5655,50 +5946,21 @@
           </p:nvPr>
         </p:nvPicPr>
         <p:blipFill>
-          <a:blip r:embed="rId2"/>
+          <a:blip r:embed="rId3"/>
           <a:stretch>
             <a:fillRect/>
           </a:stretch>
         </p:blipFill>
         <p:spPr>
           <a:xfrm>
-            <a:off x="727006" y="126994"/>
-            <a:ext cx="6985358" cy="6236860"/>
+            <a:off x="583614" y="344054"/>
+            <a:ext cx="6703877" cy="6344741"/>
           </a:xfrm>
           <a:prstGeom prst="rect">
             <a:avLst/>
           </a:prstGeom>
         </p:spPr>
       </p:pic>
-      <p:sp>
-        <p:nvSpPr>
-          <p:cNvPr id="4" name="Text Placeholder 3"/>
-          <p:cNvSpPr>
-            <a:spLocks noGrp="1"/>
-          </p:cNvSpPr>
-          <p:nvPr>
-            <p:ph type="body" sz="half" idx="2"/>
-          </p:nvPr>
-        </p:nvSpPr>
-        <p:spPr>
-          <a:xfrm>
-            <a:off x="8174182" y="2946399"/>
-            <a:ext cx="3749963" cy="3029527"/>
-          </a:xfrm>
-        </p:spPr>
-        <p:txBody>
-          <a:bodyPr>
-            <a:normAutofit/>
-          </a:bodyPr>
-          <a:lstStyle/>
-          <a:p>
-            <a:r>
-              <a:rPr lang="en-US" sz="2000" dirty="0"/>
-              <a:t>This is a visual image of how all the information was divided up to be able to store each student’s information and provide you with the information you need at a moments notice.</a:t>
-            </a:r>
-          </a:p>
-        </p:txBody>
-      </p:sp>
     </p:spTree>
     <p:extLst>
       <p:ext uri="{BB962C8B-B14F-4D97-AF65-F5344CB8AC3E}">
@@ -5709,6 +5971,13 @@
   <p:clrMapOvr>
     <a:masterClrMapping/>
   </p:clrMapOvr>
+  <p:timing>
+    <p:tnLst>
+      <p:par>
+        <p:cTn id="1" dur="indefinite" restart="never" nodeType="tmRoot"/>
+      </p:par>
+    </p:tnLst>
+  </p:timing>
 </p:sld>
 </file>
 
@@ -5739,15 +6008,22 @@
             <p:ph type="title"/>
           </p:nvPr>
         </p:nvSpPr>
-        <p:spPr/>
+        <p:spPr>
+          <a:xfrm>
+            <a:off x="7094248" y="489527"/>
+            <a:ext cx="3666836" cy="625764"/>
+          </a:xfrm>
+        </p:spPr>
         <p:txBody>
           <a:bodyPr/>
           <a:lstStyle/>
           <a:p>
-            <a:r>
-              <a:rPr lang="en-US" dirty="0"/>
-              <a:t>The Database</a:t>
-            </a:r>
+            <a:pPr algn="ctr"/>
+            <a:r>
+              <a:rPr lang="en-US" dirty="0" smtClean="0"/>
+              <a:t>Database</a:t>
+            </a:r>
+            <a:endParaRPr lang="en-US" dirty="0"/>
           </a:p>
         </p:txBody>
       </p:sp>
@@ -5794,27 +6070,14 @@
           </a:xfrm>
         </p:spPr>
         <p:txBody>
-          <a:bodyPr>
-            <a:normAutofit fontScale="92500" lnSpcReduction="20000"/>
-          </a:bodyPr>
-          <a:lstStyle/>
-          <a:p>
-            <a:r>
-              <a:rPr lang="en-US" dirty="0"/>
-              <a:t>The database takes the school data, along with the student's meal information gathered from the cafeteria and structures it into separate sets of data.</a:t>
-            </a:r>
-          </a:p>
-          <a:p>
-            <a:r>
-              <a:rPr lang="en-US" dirty="0"/>
-              <a:t>Each section is titled with the information that is housed within it</a:t>
-            </a:r>
-          </a:p>
-          <a:p>
-            <a:r>
-              <a:rPr lang="en-US" dirty="0"/>
-              <a:t>Each student is recognized by their student ID and has 1 primary parent.</a:t>
-            </a:r>
+          <a:bodyPr/>
+          <a:lstStyle/>
+          <a:p>
+            <a:r>
+              <a:rPr lang="en-US" dirty="0" smtClean="0"/>
+              <a:t>Each section is titled with the information that is housed within it. Each student is recognized by their student ID and has 1 primary parent.</a:t>
+            </a:r>
+            <a:endParaRPr lang="en-US" dirty="0"/>
           </a:p>
         </p:txBody>
       </p:sp>
@@ -5852,6 +6115,13 @@
   <p:clrMapOvr>
     <a:masterClrMapping/>
   </p:clrMapOvr>
+  <p:timing>
+    <p:tnLst>
+      <p:par>
+        <p:cTn id="1" dur="indefinite" restart="never" nodeType="tmRoot"/>
+      </p:par>
+    </p:tnLst>
+  </p:timing>
 </p:sld>
 </file>
 
@@ -5882,54 +6152,35 @@
             <p:ph type="title"/>
           </p:nvPr>
         </p:nvSpPr>
+        <p:spPr/>
+        <p:txBody>
+          <a:bodyPr/>
+          <a:lstStyle/>
+          <a:p>
+            <a:r>
+              <a:rPr lang="en-US" dirty="0" smtClean="0"/>
+              <a:t>YOUR DAILY REPORTs</a:t>
+            </a:r>
+            <a:endParaRPr lang="en-US" dirty="0"/>
+          </a:p>
+        </p:txBody>
+      </p:sp>
+      <p:sp>
+        <p:nvSpPr>
+          <p:cNvPr id="3" name="Text Placeholder 2"/>
+          <p:cNvSpPr>
+            <a:spLocks noGrp="1"/>
+          </p:cNvSpPr>
+          <p:nvPr>
+            <p:ph type="body" idx="1"/>
+          </p:nvPr>
+        </p:nvSpPr>
         <p:spPr>
           <a:xfrm>
-            <a:off x="7085012" y="685800"/>
-            <a:ext cx="3657600" cy="662709"/>
-          </a:xfrm>
-        </p:spPr>
-        <p:txBody>
-          <a:bodyPr/>
-          <a:lstStyle/>
-          <a:p>
-            <a:pPr algn="ctr"/>
-            <a:r>
-              <a:rPr lang="en-US" dirty="0"/>
-              <a:t>Your daily reports</a:t>
-            </a:r>
-          </a:p>
-        </p:txBody>
-      </p:sp>
-      <p:sp>
-        <p:nvSpPr>
-          <p:cNvPr id="3" name="Content Placeholder 2"/>
-          <p:cNvSpPr>
-            <a:spLocks noGrp="1"/>
-          </p:cNvSpPr>
-          <p:nvPr>
-            <p:ph idx="1"/>
-          </p:nvPr>
-        </p:nvSpPr>
-        <p:spPr/>
-        <p:txBody>
-          <a:bodyPr/>
-          <a:lstStyle/>
-          <a:p>
-            <a:endParaRPr lang="en-US"/>
-          </a:p>
-        </p:txBody>
-      </p:sp>
-      <p:sp>
-        <p:nvSpPr>
-          <p:cNvPr id="4" name="Text Placeholder 3"/>
-          <p:cNvSpPr>
-            <a:spLocks noGrp="1"/>
-          </p:cNvSpPr>
-          <p:nvPr>
-            <p:ph type="body" sz="half" idx="2"/>
-          </p:nvPr>
-        </p:nvSpPr>
-        <p:spPr/>
+            <a:off x="684213" y="2747818"/>
+            <a:ext cx="8535988" cy="1879600"/>
+          </a:xfrm>
+        </p:spPr>
         <p:txBody>
           <a:bodyPr/>
           <a:lstStyle/>
@@ -5940,25 +6191,14 @@
             </a:r>
           </a:p>
           <a:p>
-            <a:r>
-              <a:rPr lang="en-US" sz="2000" dirty="0">
-                <a:latin typeface="Algerian" panose="04020705040A02060702" pitchFamily="82" charset="0"/>
-              </a:rPr>
-              <a:t>First Report</a:t>
-            </a:r>
-          </a:p>
-          <a:p>
-            <a:r>
-              <a:rPr lang="en-US" dirty="0"/>
-              <a:t>Student List</a:t>
-            </a:r>
+            <a:endParaRPr lang="en-US" dirty="0"/>
           </a:p>
         </p:txBody>
       </p:sp>
     </p:spTree>
     <p:extLst>
       <p:ext uri="{BB962C8B-B14F-4D97-AF65-F5344CB8AC3E}">
-        <p14:creationId xmlns:p14="http://schemas.microsoft.com/office/powerpoint/2010/main" val="4215891319"/>
+        <p14:creationId xmlns:p14="http://schemas.microsoft.com/office/powerpoint/2010/main" val="328834869"/>
       </p:ext>
     </p:extLst>
   </p:cSld>
@@ -5997,8 +6237,8 @@
         </p:nvSpPr>
         <p:spPr>
           <a:xfrm>
-            <a:off x="7085012" y="452582"/>
-            <a:ext cx="3499861" cy="976745"/>
+            <a:off x="7085012" y="685800"/>
+            <a:ext cx="3657600" cy="662709"/>
           </a:xfrm>
         </p:spPr>
         <p:txBody>
@@ -6007,45 +6247,99 @@
           <a:p>
             <a:pPr algn="ctr"/>
             <a:r>
-              <a:rPr lang="en-US" dirty="0"/>
-              <a:t>Students and meal status</a:t>
-            </a:r>
-          </a:p>
-        </p:txBody>
-      </p:sp>
-      <p:sp>
-        <p:nvSpPr>
-          <p:cNvPr id="3" name="Content Placeholder 2"/>
-          <p:cNvSpPr>
-            <a:spLocks noGrp="1"/>
-          </p:cNvSpPr>
+              <a:rPr lang="en-US" dirty="0" smtClean="0"/>
+              <a:t>Student List</a:t>
+            </a:r>
+            <a:endParaRPr lang="en-US" dirty="0"/>
+          </a:p>
+        </p:txBody>
+      </p:sp>
+      <p:pic>
+        <p:nvPicPr>
+          <p:cNvPr id="5" name="Content Placeholder 4"/>
+          <p:cNvPicPr>
+            <a:picLocks noGrp="1" noChangeAspect="1"/>
+          </p:cNvPicPr>
           <p:nvPr>
             <p:ph idx="1"/>
           </p:nvPr>
+        </p:nvPicPr>
+        <p:blipFill>
+          <a:blip r:embed="rId2"/>
+          <a:stretch>
+            <a:fillRect/>
+          </a:stretch>
+        </p:blipFill>
+        <p:spPr>
+          <a:xfrm>
+            <a:off x="268577" y="1017154"/>
+            <a:ext cx="6533030" cy="4164446"/>
+          </a:xfrm>
+          <a:prstGeom prst="rect">
+            <a:avLst/>
+          </a:prstGeom>
+        </p:spPr>
+      </p:pic>
+      <p:sp>
+        <p:nvSpPr>
+          <p:cNvPr id="4" name="Text Placeholder 3"/>
+          <p:cNvSpPr>
+            <a:spLocks noGrp="1"/>
+          </p:cNvSpPr>
+          <p:nvPr>
+            <p:ph type="body" sz="half" idx="2"/>
+          </p:nvPr>
         </p:nvSpPr>
         <p:spPr/>
         <p:txBody>
           <a:bodyPr/>
           <a:lstStyle/>
           <a:p>
-            <a:endParaRPr lang="en-US"/>
-          </a:p>
-        </p:txBody>
-      </p:sp>
-      <p:sp>
-        <p:nvSpPr>
-          <p:cNvPr id="4" name="Text Placeholder 3"/>
-          <p:cNvSpPr>
-            <a:spLocks noGrp="1"/>
-          </p:cNvSpPr>
-          <p:nvPr>
-            <p:ph type="body" sz="half" idx="2"/>
-          </p:nvPr>
-        </p:nvSpPr>
-        <p:spPr/>
-        <p:txBody>
-          <a:bodyPr/>
-          <a:lstStyle/>
+            <a:r>
+              <a:rPr lang="en-US" dirty="0" smtClean="0"/>
+              <a:t>This report allows you to view all students in each grade in order by last name.</a:t>
+            </a:r>
+          </a:p>
+          <a:p>
+            <a:endParaRPr lang="en-US" dirty="0"/>
+          </a:p>
+          <a:p>
+            <a:pPr>
+              <a:spcBef>
+                <a:spcPts val="0"/>
+              </a:spcBef>
+              <a:spcAft>
+                <a:spcPts val="0"/>
+              </a:spcAft>
+            </a:pPr>
+            <a:r>
+              <a:rPr lang="en-US" dirty="0" smtClean="0"/>
+              <a:t>To get this report type:</a:t>
+            </a:r>
+          </a:p>
+          <a:p>
+            <a:pPr>
+              <a:spcBef>
+                <a:spcPts val="0"/>
+              </a:spcBef>
+              <a:spcAft>
+                <a:spcPts val="0"/>
+              </a:spcAft>
+            </a:pPr>
+            <a:r>
+              <a:rPr lang="en-US" dirty="0" smtClean="0"/>
+              <a:t>SELECT * FROM </a:t>
+            </a:r>
+            <a:r>
+              <a:rPr lang="en-US" dirty="0" err="1" smtClean="0"/>
+              <a:t>StudentList</a:t>
+            </a:r>
+            <a:r>
+              <a:rPr lang="en-US" dirty="0" smtClean="0"/>
+              <a:t>;</a:t>
+            </a:r>
+            <a:endParaRPr lang="en-US" dirty="0" smtClean="0"/>
+          </a:p>
           <a:p>
             <a:endParaRPr lang="en-US" dirty="0"/>
           </a:p>
@@ -6054,13 +6348,20 @@
     </p:spTree>
     <p:extLst>
       <p:ext uri="{BB962C8B-B14F-4D97-AF65-F5344CB8AC3E}">
-        <p14:creationId xmlns:p14="http://schemas.microsoft.com/office/powerpoint/2010/main" val="828814249"/>
+        <p14:creationId xmlns:p14="http://schemas.microsoft.com/office/powerpoint/2010/main" val="4215891319"/>
       </p:ext>
     </p:extLst>
   </p:cSld>
   <p:clrMapOvr>
     <a:masterClrMapping/>
   </p:clrMapOvr>
+  <p:timing>
+    <p:tnLst>
+      <p:par>
+        <p:cTn id="1" dur="indefinite" restart="never" nodeType="tmRoot"/>
+      </p:par>
+    </p:tnLst>
+  </p:timing>
 </p:sld>
 </file>
 
@@ -6093,72 +6394,131 @@
         </p:nvSpPr>
         <p:spPr>
           <a:xfrm>
-            <a:off x="7085012" y="685800"/>
-            <a:ext cx="3518333" cy="745836"/>
+            <a:off x="7085012" y="452582"/>
+            <a:ext cx="3499861" cy="976745"/>
           </a:xfrm>
         </p:spPr>
         <p:txBody>
           <a:bodyPr/>
           <a:lstStyle/>
           <a:p>
+            <a:pPr algn="ctr"/>
+            <a:r>
+              <a:rPr lang="en-US" dirty="0" smtClean="0"/>
+              <a:t>Students and meal status</a:t>
+            </a:r>
+            <a:endParaRPr lang="en-US" dirty="0"/>
+          </a:p>
+        </p:txBody>
+      </p:sp>
+      <p:pic>
+        <p:nvPicPr>
+          <p:cNvPr id="5" name="Content Placeholder 4"/>
+          <p:cNvPicPr>
+            <a:picLocks noGrp="1" noChangeAspect="1"/>
+          </p:cNvPicPr>
+          <p:nvPr>
+            <p:ph idx="1"/>
+          </p:nvPr>
+        </p:nvPicPr>
+        <p:blipFill>
+          <a:blip r:embed="rId2"/>
+          <a:stretch>
+            <a:fillRect/>
+          </a:stretch>
+        </p:blipFill>
+        <p:spPr>
+          <a:xfrm>
+            <a:off x="379413" y="1169630"/>
+            <a:ext cx="5943600" cy="3965788"/>
+          </a:xfrm>
+          <a:prstGeom prst="rect">
+            <a:avLst/>
+          </a:prstGeom>
+        </p:spPr>
+      </p:pic>
+      <p:sp>
+        <p:nvSpPr>
+          <p:cNvPr id="4" name="Text Placeholder 3"/>
+          <p:cNvSpPr>
+            <a:spLocks noGrp="1"/>
+          </p:cNvSpPr>
+          <p:nvPr>
+            <p:ph type="body" sz="half" idx="2"/>
+          </p:nvPr>
+        </p:nvSpPr>
+        <p:spPr/>
+        <p:txBody>
+          <a:bodyPr/>
+          <a:lstStyle/>
+          <a:p>
+            <a:r>
+              <a:rPr lang="en-US" dirty="0" smtClean="0"/>
+              <a:t>This report groups students into meal status type: free, reduced, or full price.</a:t>
+            </a:r>
+          </a:p>
+          <a:p>
+            <a:endParaRPr lang="en-US" dirty="0"/>
+          </a:p>
+          <a:p>
+            <a:pPr>
+              <a:spcBef>
+                <a:spcPts val="0"/>
+              </a:spcBef>
+              <a:spcAft>
+                <a:spcPts val="0"/>
+              </a:spcAft>
+            </a:pPr>
             <a:r>
               <a:rPr lang="en-US" dirty="0"/>
-              <a:t>Daily transactions</a:t>
-            </a:r>
-          </a:p>
-        </p:txBody>
-      </p:sp>
-      <p:sp>
-        <p:nvSpPr>
-          <p:cNvPr id="3" name="Content Placeholder 2"/>
-          <p:cNvSpPr>
-            <a:spLocks noGrp="1"/>
-          </p:cNvSpPr>
-          <p:nvPr>
-            <p:ph idx="1"/>
-          </p:nvPr>
-        </p:nvSpPr>
-        <p:spPr/>
-        <p:txBody>
-          <a:bodyPr/>
-          <a:lstStyle/>
-          <a:p>
-            <a:endParaRPr lang="en-US"/>
-          </a:p>
-        </p:txBody>
-      </p:sp>
-      <p:sp>
-        <p:nvSpPr>
-          <p:cNvPr id="4" name="Text Placeholder 3"/>
-          <p:cNvSpPr>
-            <a:spLocks noGrp="1"/>
-          </p:cNvSpPr>
-          <p:nvPr>
-            <p:ph type="body" sz="half" idx="2"/>
-          </p:nvPr>
-        </p:nvSpPr>
-        <p:spPr/>
-        <p:txBody>
-          <a:bodyPr/>
-          <a:lstStyle/>
-          <a:p>
+              <a:t>To get this report type:</a:t>
+            </a:r>
+          </a:p>
+          <a:p>
+            <a:pPr>
+              <a:spcBef>
+                <a:spcPts val="0"/>
+              </a:spcBef>
+              <a:spcAft>
+                <a:spcPts val="0"/>
+              </a:spcAft>
+            </a:pPr>
             <a:r>
               <a:rPr lang="en-US" dirty="0"/>
-              <a:t>All lunches are full lunches and each meal purchased by a student is a separate transaction.</a:t>
-            </a:r>
+              <a:t>SELECT * FROM </a:t>
+            </a:r>
+            <a:r>
+              <a:rPr lang="en-US" dirty="0" err="1" smtClean="0"/>
+              <a:t>StudentMealStatus</a:t>
+            </a:r>
+            <a:r>
+              <a:rPr lang="en-US" dirty="0" smtClean="0"/>
+              <a:t>;</a:t>
+            </a:r>
+            <a:endParaRPr lang="en-US" dirty="0"/>
+          </a:p>
+          <a:p>
+            <a:endParaRPr lang="en-US" dirty="0"/>
           </a:p>
         </p:txBody>
       </p:sp>
     </p:spTree>
     <p:extLst>
       <p:ext uri="{BB962C8B-B14F-4D97-AF65-F5344CB8AC3E}">
-        <p14:creationId xmlns:p14="http://schemas.microsoft.com/office/powerpoint/2010/main" val="1122628271"/>
+        <p14:creationId xmlns:p14="http://schemas.microsoft.com/office/powerpoint/2010/main" val="828814249"/>
       </p:ext>
     </p:extLst>
   </p:cSld>
   <p:clrMapOvr>
     <a:masterClrMapping/>
   </p:clrMapOvr>
+  <p:timing>
+    <p:tnLst>
+      <p:par>
+        <p:cTn id="1" dur="indefinite" restart="never" nodeType="tmRoot"/>
+      </p:par>
+    </p:tnLst>
+  </p:timing>
 </p:sld>
 </file>
 
@@ -6192,54 +6552,149 @@
         <p:spPr>
           <a:xfrm>
             <a:off x="7085012" y="685800"/>
-            <a:ext cx="3657600" cy="681182"/>
+            <a:ext cx="3518333" cy="745836"/>
           </a:xfrm>
         </p:spPr>
         <p:txBody>
           <a:bodyPr/>
           <a:lstStyle/>
           <a:p>
-            <a:pPr algn="ctr"/>
+            <a:r>
+              <a:rPr lang="en-US" dirty="0" smtClean="0"/>
+              <a:t>Daily transactions</a:t>
+            </a:r>
+            <a:endParaRPr lang="en-US" dirty="0"/>
+          </a:p>
+        </p:txBody>
+      </p:sp>
+      <p:pic>
+        <p:nvPicPr>
+          <p:cNvPr id="5" name="Content Placeholder 4"/>
+          <p:cNvPicPr>
+            <a:picLocks noGrp="1" noChangeAspect="1"/>
+          </p:cNvPicPr>
+          <p:nvPr>
+            <p:ph idx="1"/>
+          </p:nvPr>
+        </p:nvPicPr>
+        <p:blipFill>
+          <a:blip r:embed="rId2"/>
+          <a:stretch>
+            <a:fillRect/>
+          </a:stretch>
+        </p:blipFill>
+        <p:spPr>
+          <a:xfrm>
+            <a:off x="425593" y="1052361"/>
+            <a:ext cx="6475695" cy="3953748"/>
+          </a:xfrm>
+          <a:prstGeom prst="rect">
+            <a:avLst/>
+          </a:prstGeom>
+        </p:spPr>
+      </p:pic>
+      <p:sp>
+        <p:nvSpPr>
+          <p:cNvPr id="4" name="Text Placeholder 3"/>
+          <p:cNvSpPr>
+            <a:spLocks noGrp="1"/>
+          </p:cNvSpPr>
+          <p:nvPr>
+            <p:ph type="body" sz="half" idx="2"/>
+          </p:nvPr>
+        </p:nvSpPr>
+        <p:spPr>
+          <a:xfrm>
+            <a:off x="7158902" y="1784927"/>
+            <a:ext cx="4635934" cy="3710710"/>
+          </a:xfrm>
+        </p:spPr>
+        <p:txBody>
+          <a:bodyPr>
+            <a:normAutofit/>
+          </a:bodyPr>
+          <a:lstStyle/>
+          <a:p>
+            <a:r>
+              <a:rPr lang="en-US" dirty="0" smtClean="0"/>
+              <a:t>All </a:t>
+            </a:r>
+            <a:r>
+              <a:rPr lang="en-US" dirty="0" smtClean="0"/>
+              <a:t>lunches are </a:t>
+            </a:r>
+            <a:r>
+              <a:rPr lang="en-US" dirty="0" smtClean="0"/>
+              <a:t>complete lunches outlined by the USDA.</a:t>
+            </a:r>
+          </a:p>
+          <a:p>
             <a:r>
               <a:rPr lang="en-US" dirty="0"/>
-              <a:t>Total free meals</a:t>
-            </a:r>
-          </a:p>
-        </p:txBody>
-      </p:sp>
-      <p:sp>
-        <p:nvSpPr>
-          <p:cNvPr id="3" name="Content Placeholder 2"/>
-          <p:cNvSpPr>
-            <a:spLocks noGrp="1"/>
-          </p:cNvSpPr>
-          <p:nvPr>
-            <p:ph idx="1"/>
-          </p:nvPr>
-        </p:nvSpPr>
-        <p:spPr/>
-        <p:txBody>
-          <a:bodyPr/>
-          <a:lstStyle/>
-          <a:p>
-            <a:endParaRPr lang="en-US"/>
-          </a:p>
-        </p:txBody>
-      </p:sp>
-      <p:sp>
-        <p:nvSpPr>
-          <p:cNvPr id="4" name="Text Placeholder 3"/>
-          <p:cNvSpPr>
-            <a:spLocks noGrp="1"/>
-          </p:cNvSpPr>
-          <p:nvPr>
-            <p:ph type="body" sz="half" idx="2"/>
-          </p:nvPr>
-        </p:nvSpPr>
-        <p:spPr/>
-        <p:txBody>
-          <a:bodyPr/>
-          <a:lstStyle/>
+              <a:t>E</a:t>
+            </a:r>
+            <a:r>
+              <a:rPr lang="en-US" dirty="0" smtClean="0"/>
+              <a:t>ach </a:t>
+            </a:r>
+            <a:r>
+              <a:rPr lang="en-US" dirty="0" smtClean="0"/>
+              <a:t>meal purchased by a student is a separate transaction</a:t>
+            </a:r>
+            <a:r>
+              <a:rPr lang="en-US" dirty="0" smtClean="0"/>
+              <a:t>.</a:t>
+            </a:r>
+          </a:p>
+          <a:p>
+            <a:endParaRPr lang="en-US" dirty="0"/>
+          </a:p>
+          <a:p>
+            <a:r>
+              <a:rPr lang="en-US" dirty="0" smtClean="0"/>
+              <a:t>This report tells us how many meals were purchased on a certain day, and the total cost of all meals.</a:t>
+            </a:r>
+          </a:p>
+          <a:p>
+            <a:endParaRPr lang="en-US" dirty="0"/>
+          </a:p>
+          <a:p>
+            <a:pPr>
+              <a:spcBef>
+                <a:spcPts val="0"/>
+              </a:spcBef>
+              <a:spcAft>
+                <a:spcPts val="0"/>
+              </a:spcAft>
+            </a:pPr>
+            <a:r>
+              <a:rPr lang="en-US" dirty="0" smtClean="0"/>
+              <a:t>To get this report type:</a:t>
+            </a:r>
+          </a:p>
+          <a:p>
+            <a:pPr>
+              <a:spcBef>
+                <a:spcPts val="0"/>
+              </a:spcBef>
+              <a:spcAft>
+                <a:spcPts val="0"/>
+              </a:spcAft>
+            </a:pPr>
+            <a:r>
+              <a:rPr lang="en-US" dirty="0" smtClean="0"/>
+              <a:t>CALL </a:t>
+            </a:r>
+            <a:r>
+              <a:rPr lang="en-US" dirty="0" err="1" smtClean="0"/>
+              <a:t>DailyTransactions</a:t>
+            </a:r>
+            <a:r>
+              <a:rPr lang="en-US" dirty="0" smtClean="0"/>
+              <a:t>(‘YEAR-MONTH-DAY’);</a:t>
+            </a:r>
+            <a:endParaRPr lang="en-US" dirty="0" smtClean="0"/>
+          </a:p>
           <a:p>
             <a:endParaRPr lang="en-US" dirty="0"/>
           </a:p>
@@ -6248,13 +6703,20 @@
     </p:spTree>
     <p:extLst>
       <p:ext uri="{BB962C8B-B14F-4D97-AF65-F5344CB8AC3E}">
-        <p14:creationId xmlns:p14="http://schemas.microsoft.com/office/powerpoint/2010/main" val="4012095361"/>
+        <p14:creationId xmlns:p14="http://schemas.microsoft.com/office/powerpoint/2010/main" val="1122628271"/>
       </p:ext>
     </p:extLst>
   </p:cSld>
   <p:clrMapOvr>
     <a:masterClrMapping/>
   </p:clrMapOvr>
+  <p:timing>
+    <p:tnLst>
+      <p:par>
+        <p:cTn id="1" dur="indefinite" restart="never" nodeType="tmRoot"/>
+      </p:par>
+    </p:tnLst>
+  </p:timing>
 </p:sld>
 </file>
 
@@ -6288,7 +6750,7 @@
         <p:spPr>
           <a:xfrm>
             <a:off x="7085012" y="685800"/>
-            <a:ext cx="3546043" cy="912091"/>
+            <a:ext cx="3657600" cy="681182"/>
           </a:xfrm>
         </p:spPr>
         <p:txBody>
@@ -6297,60 +6759,147 @@
           <a:p>
             <a:pPr algn="ctr"/>
             <a:r>
+              <a:rPr lang="en-US" dirty="0" smtClean="0"/>
+              <a:t>Total free meals</a:t>
+            </a:r>
+            <a:endParaRPr lang="en-US" dirty="0"/>
+          </a:p>
+        </p:txBody>
+      </p:sp>
+      <p:pic>
+        <p:nvPicPr>
+          <p:cNvPr id="5" name="Content Placeholder 4"/>
+          <p:cNvPicPr>
+            <a:picLocks noGrp="1" noChangeAspect="1"/>
+          </p:cNvPicPr>
+          <p:nvPr>
+            <p:ph idx="1"/>
+          </p:nvPr>
+        </p:nvPicPr>
+        <p:blipFill>
+          <a:blip r:embed="rId2"/>
+          <a:stretch>
+            <a:fillRect/>
+          </a:stretch>
+        </p:blipFill>
+        <p:spPr>
+          <a:xfrm>
+            <a:off x="388649" y="967053"/>
+            <a:ext cx="6252296" cy="4639419"/>
+          </a:xfrm>
+          <a:prstGeom prst="rect">
+            <a:avLst/>
+          </a:prstGeom>
+        </p:spPr>
+      </p:pic>
+      <p:sp>
+        <p:nvSpPr>
+          <p:cNvPr id="4" name="Text Placeholder 3"/>
+          <p:cNvSpPr>
+            <a:spLocks noGrp="1"/>
+          </p:cNvSpPr>
+          <p:nvPr>
+            <p:ph type="body" sz="half" idx="2"/>
+          </p:nvPr>
+        </p:nvSpPr>
+        <p:spPr>
+          <a:xfrm>
+            <a:off x="7085012" y="1701799"/>
+            <a:ext cx="4903788" cy="3396673"/>
+          </a:xfrm>
+        </p:spPr>
+        <p:txBody>
+          <a:bodyPr>
+            <a:normAutofit/>
+          </a:bodyPr>
+          <a:lstStyle/>
+          <a:p>
+            <a:r>
+              <a:rPr lang="en-US" dirty="0" smtClean="0"/>
+              <a:t>This report shows how many free meals were given on a specified day, and the total cost of those free meals.</a:t>
+            </a:r>
+          </a:p>
+          <a:p>
+            <a:endParaRPr lang="en-US" dirty="0" smtClean="0"/>
+          </a:p>
+          <a:p>
+            <a:r>
+              <a:rPr lang="en-US" dirty="0" smtClean="0"/>
+              <a:t>This information can be used to get reimbursement from the state.</a:t>
+            </a:r>
+          </a:p>
+          <a:p>
+            <a:endParaRPr lang="en-US" dirty="0" smtClean="0"/>
+          </a:p>
+          <a:p>
+            <a:pPr>
+              <a:spcBef>
+                <a:spcPts val="0"/>
+              </a:spcBef>
+              <a:spcAft>
+                <a:spcPts val="0"/>
+              </a:spcAft>
+            </a:pPr>
+            <a:r>
+              <a:rPr lang="en-US" dirty="0" smtClean="0"/>
+              <a:t>To get </a:t>
+            </a:r>
+            <a:r>
               <a:rPr lang="en-US" dirty="0"/>
-              <a:t>Total reduced meals</a:t>
-            </a:r>
-          </a:p>
-        </p:txBody>
-      </p:sp>
-      <p:sp>
-        <p:nvSpPr>
-          <p:cNvPr id="3" name="Content Placeholder 2"/>
-          <p:cNvSpPr>
-            <a:spLocks noGrp="1"/>
-          </p:cNvSpPr>
-          <p:nvPr>
-            <p:ph idx="1"/>
-          </p:nvPr>
-        </p:nvSpPr>
-        <p:spPr/>
-        <p:txBody>
-          <a:bodyPr/>
-          <a:lstStyle/>
-          <a:p>
-            <a:endParaRPr lang="en-US"/>
-          </a:p>
-        </p:txBody>
-      </p:sp>
-      <p:sp>
-        <p:nvSpPr>
-          <p:cNvPr id="4" name="Text Placeholder 3"/>
-          <p:cNvSpPr>
-            <a:spLocks noGrp="1"/>
-          </p:cNvSpPr>
-          <p:nvPr>
-            <p:ph type="body" sz="half" idx="2"/>
-          </p:nvPr>
-        </p:nvSpPr>
-        <p:spPr/>
-        <p:txBody>
-          <a:bodyPr/>
-          <a:lstStyle/>
-          <a:p>
-            <a:endParaRPr lang="en-US"/>
+              <a:t>this report type:</a:t>
+            </a:r>
+          </a:p>
+          <a:p>
+            <a:pPr>
+              <a:spcBef>
+                <a:spcPts val="0"/>
+              </a:spcBef>
+              <a:spcAft>
+                <a:spcPts val="0"/>
+              </a:spcAft>
+            </a:pPr>
+            <a:r>
+              <a:rPr lang="en-US" dirty="0"/>
+              <a:t>CALL </a:t>
+            </a:r>
+            <a:r>
+              <a:rPr lang="en-US" dirty="0" err="1" smtClean="0"/>
+              <a:t>ReimbursementFree</a:t>
+            </a:r>
+            <a:r>
+              <a:rPr lang="en-US" dirty="0" smtClean="0"/>
+              <a:t>(‘</a:t>
+            </a:r>
+            <a:r>
+              <a:rPr lang="en-US" dirty="0"/>
+              <a:t>YEAR-MONTH-DAY’);</a:t>
+            </a:r>
+          </a:p>
+          <a:p>
+            <a:endParaRPr lang="en-US" dirty="0"/>
+          </a:p>
+          <a:p>
+            <a:endParaRPr lang="en-US" dirty="0"/>
           </a:p>
         </p:txBody>
       </p:sp>
     </p:spTree>
     <p:extLst>
       <p:ext uri="{BB962C8B-B14F-4D97-AF65-F5344CB8AC3E}">
-        <p14:creationId xmlns:p14="http://schemas.microsoft.com/office/powerpoint/2010/main" val="388897127"/>
+        <p14:creationId xmlns:p14="http://schemas.microsoft.com/office/powerpoint/2010/main" val="4012095361"/>
       </p:ext>
     </p:extLst>
   </p:cSld>
   <p:clrMapOvr>
     <a:masterClrMapping/>
   </p:clrMapOvr>
+  <p:timing>
+    <p:tnLst>
+      <p:par>
+        <p:cTn id="1" dur="indefinite" restart="never" nodeType="tmRoot"/>
+      </p:par>
+    </p:tnLst>
+  </p:timing>
 </p:sld>
 </file>
 
@@ -6383,8 +6932,8 @@
         </p:nvSpPr>
         <p:spPr>
           <a:xfrm>
-            <a:off x="7020357" y="685800"/>
-            <a:ext cx="3657600" cy="699655"/>
+            <a:off x="7085012" y="685800"/>
+            <a:ext cx="3546043" cy="912091"/>
           </a:xfrm>
         </p:spPr>
         <p:txBody>
@@ -6393,60 +6942,146 @@
           <a:p>
             <a:pPr algn="ctr"/>
             <a:r>
+              <a:rPr lang="en-US" dirty="0" smtClean="0"/>
+              <a:t>Total reduced meals</a:t>
+            </a:r>
+            <a:endParaRPr lang="en-US" dirty="0"/>
+          </a:p>
+        </p:txBody>
+      </p:sp>
+      <p:pic>
+        <p:nvPicPr>
+          <p:cNvPr id="5" name="Content Placeholder 4"/>
+          <p:cNvPicPr>
+            <a:picLocks noGrp="1" noChangeAspect="1"/>
+          </p:cNvPicPr>
+          <p:nvPr>
+            <p:ph idx="1"/>
+          </p:nvPr>
+        </p:nvPicPr>
+        <p:blipFill>
+          <a:blip r:embed="rId2"/>
+          <a:stretch>
+            <a:fillRect/>
+          </a:stretch>
+        </p:blipFill>
+        <p:spPr>
+          <a:xfrm>
+            <a:off x="342467" y="1141120"/>
+            <a:ext cx="5943600" cy="4363753"/>
+          </a:xfrm>
+          <a:prstGeom prst="rect">
+            <a:avLst/>
+          </a:prstGeom>
+        </p:spPr>
+      </p:pic>
+      <p:sp>
+        <p:nvSpPr>
+          <p:cNvPr id="4" name="Text Placeholder 3"/>
+          <p:cNvSpPr>
+            <a:spLocks noGrp="1"/>
+          </p:cNvSpPr>
+          <p:nvPr>
+            <p:ph type="body" sz="half" idx="2"/>
+          </p:nvPr>
+        </p:nvSpPr>
+        <p:spPr>
+          <a:xfrm>
+            <a:off x="6595485" y="1775690"/>
+            <a:ext cx="5374842" cy="3248892"/>
+          </a:xfrm>
+        </p:spPr>
+        <p:txBody>
+          <a:bodyPr>
+            <a:normAutofit/>
+          </a:bodyPr>
+          <a:lstStyle/>
+          <a:p>
+            <a:r>
               <a:rPr lang="en-US" dirty="0"/>
-              <a:t>Payment by student</a:t>
-            </a:r>
-          </a:p>
-        </p:txBody>
-      </p:sp>
-      <p:sp>
-        <p:nvSpPr>
-          <p:cNvPr id="3" name="Content Placeholder 2"/>
-          <p:cNvSpPr>
-            <a:spLocks noGrp="1"/>
-          </p:cNvSpPr>
-          <p:nvPr>
-            <p:ph idx="1"/>
-          </p:nvPr>
-        </p:nvSpPr>
-        <p:spPr/>
-        <p:txBody>
-          <a:bodyPr/>
-          <a:lstStyle/>
-          <a:p>
-            <a:endParaRPr lang="en-US"/>
-          </a:p>
-        </p:txBody>
-      </p:sp>
-      <p:sp>
-        <p:nvSpPr>
-          <p:cNvPr id="4" name="Text Placeholder 3"/>
-          <p:cNvSpPr>
-            <a:spLocks noGrp="1"/>
-          </p:cNvSpPr>
-          <p:nvPr>
-            <p:ph type="body" sz="half" idx="2"/>
-          </p:nvPr>
-        </p:nvSpPr>
-        <p:spPr/>
-        <p:txBody>
-          <a:bodyPr/>
-          <a:lstStyle/>
-          <a:p>
-            <a:endParaRPr lang="en-US"/>
+              <a:t>This report shows how many </a:t>
+            </a:r>
+            <a:r>
+              <a:rPr lang="en-US" dirty="0" smtClean="0"/>
+              <a:t>reduced </a:t>
+            </a:r>
+            <a:r>
+              <a:rPr lang="en-US" dirty="0"/>
+              <a:t>meals were given on a specified day, and the total cost of those free meals.</a:t>
+            </a:r>
+          </a:p>
+          <a:p>
+            <a:endParaRPr lang="en-US" dirty="0"/>
+          </a:p>
+          <a:p>
+            <a:r>
+              <a:rPr lang="en-US" dirty="0"/>
+              <a:t>This information can be used to get reimbursement from the state.</a:t>
+            </a:r>
+          </a:p>
+          <a:p>
+            <a:endParaRPr lang="en-US" dirty="0"/>
+          </a:p>
+          <a:p>
+            <a:pPr>
+              <a:spcBef>
+                <a:spcPts val="0"/>
+              </a:spcBef>
+              <a:spcAft>
+                <a:spcPts val="0"/>
+              </a:spcAft>
+            </a:pPr>
+            <a:r>
+              <a:rPr lang="en-US" dirty="0"/>
+              <a:t>To get this report type:</a:t>
+            </a:r>
+          </a:p>
+          <a:p>
+            <a:pPr>
+              <a:spcBef>
+                <a:spcPts val="0"/>
+              </a:spcBef>
+              <a:spcAft>
+                <a:spcPts val="0"/>
+              </a:spcAft>
+            </a:pPr>
+            <a:r>
+              <a:rPr lang="en-US" dirty="0"/>
+              <a:t>CALL </a:t>
+            </a:r>
+            <a:r>
+              <a:rPr lang="en-US" dirty="0" err="1" smtClean="0"/>
+              <a:t>ReimbursementReduced</a:t>
+            </a:r>
+            <a:r>
+              <a:rPr lang="en-US" dirty="0" smtClean="0"/>
+              <a:t>(‘</a:t>
+            </a:r>
+            <a:r>
+              <a:rPr lang="en-US" dirty="0"/>
+              <a:t>YEAR-MONTH-DAY’);</a:t>
+            </a:r>
+            <a:endParaRPr lang="en-US" dirty="0"/>
           </a:p>
         </p:txBody>
       </p:sp>
     </p:spTree>
     <p:extLst>
       <p:ext uri="{BB962C8B-B14F-4D97-AF65-F5344CB8AC3E}">
-        <p14:creationId xmlns:p14="http://schemas.microsoft.com/office/powerpoint/2010/main" val="2541052856"/>
+        <p14:creationId xmlns:p14="http://schemas.microsoft.com/office/powerpoint/2010/main" val="388897127"/>
       </p:ext>
     </p:extLst>
   </p:cSld>
   <p:clrMapOvr>
     <a:masterClrMapping/>
   </p:clrMapOvr>
+  <p:timing>
+    <p:tnLst>
+      <p:par>
+        <p:cTn id="1" dur="indefinite" restart="never" nodeType="tmRoot"/>
+      </p:par>
+    </p:tnLst>
+  </p:timing>
 </p:sld>
 </file>
 
